--- a/Capstone Project 2/Capstone 2 Slides.pptx
+++ b/Capstone Project 2/Capstone 2 Slides.pptx
@@ -407,7 +407,7 @@
             <a:fld id="{08B9EBBA-996F-894A-B54A-D6246ED52CEA}" type="datetimeFigureOut">
               <a:rPr lang="en-US" smtClean="0"/>
               <a:pPr/>
-              <a:t>12/5/17</a:t>
+              <a:t>1/10/18</a:t>
             </a:fld>
             <a:endParaRPr lang="en-US" dirty="0"/>
           </a:p>
@@ -818,7 +818,7 @@
             <a:fld id="{09B482E8-6E0E-1B4F-B1FD-C69DB9E858D9}" type="datetimeFigureOut">
               <a:rPr lang="en-US" smtClean="0"/>
               <a:pPr/>
-              <a:t>12/5/17</a:t>
+              <a:t>1/10/18</a:t>
             </a:fld>
             <a:endParaRPr lang="en-US" dirty="0"/>
           </a:p>
@@ -1152,7 +1152,7 @@
             <a:fld id="{09B482E8-6E0E-1B4F-B1FD-C69DB9E858D9}" type="datetimeFigureOut">
               <a:rPr lang="en-US" smtClean="0"/>
               <a:pPr/>
-              <a:t>12/5/17</a:t>
+              <a:t>1/10/18</a:t>
             </a:fld>
             <a:endParaRPr lang="en-US" dirty="0"/>
           </a:p>
@@ -1555,7 +1555,7 @@
             <a:fld id="{09B482E8-6E0E-1B4F-B1FD-C69DB9E858D9}" type="datetimeFigureOut">
               <a:rPr lang="en-US" smtClean="0"/>
               <a:pPr/>
-              <a:t>12/5/17</a:t>
+              <a:t>1/10/18</a:t>
             </a:fld>
             <a:endParaRPr lang="en-US" dirty="0"/>
           </a:p>
@@ -2121,7 +2121,7 @@
             <a:fld id="{09B482E8-6E0E-1B4F-B1FD-C69DB9E858D9}" type="datetimeFigureOut">
               <a:rPr lang="en-US" smtClean="0"/>
               <a:pPr/>
-              <a:t>12/5/17</a:t>
+              <a:t>1/10/18</a:t>
             </a:fld>
             <a:endParaRPr lang="en-US" dirty="0"/>
           </a:p>
@@ -2800,7 +2800,7 @@
             <a:fld id="{09B482E8-6E0E-1B4F-B1FD-C69DB9E858D9}" type="datetimeFigureOut">
               <a:rPr lang="en-US" smtClean="0"/>
               <a:pPr/>
-              <a:t>12/5/17</a:t>
+              <a:t>1/10/18</a:t>
             </a:fld>
             <a:endParaRPr lang="en-US" dirty="0"/>
           </a:p>
@@ -3711,7 +3711,7 @@
             <a:fld id="{09B482E8-6E0E-1B4F-B1FD-C69DB9E858D9}" type="datetimeFigureOut">
               <a:rPr lang="en-US" smtClean="0"/>
               <a:pPr/>
-              <a:t>12/5/17</a:t>
+              <a:t>1/10/18</a:t>
             </a:fld>
             <a:endParaRPr lang="en-US" dirty="0"/>
           </a:p>
@@ -4022,7 +4022,7 @@
             <a:fld id="{C6C52C72-DE31-F449-A4ED-4C594FD91407}" type="datetimeFigureOut">
               <a:rPr lang="en-US" smtClean="0"/>
               <a:pPr/>
-              <a:t>12/5/17</a:t>
+              <a:t>1/10/18</a:t>
             </a:fld>
             <a:endParaRPr lang="en-US" dirty="0"/>
           </a:p>
@@ -4283,7 +4283,7 @@
             <a:fld id="{ED62726E-379B-B349-9EED-81ED093FA806}" type="datetimeFigureOut">
               <a:rPr lang="en-US" smtClean="0"/>
               <a:pPr/>
-              <a:t>12/5/17</a:t>
+              <a:t>1/10/18</a:t>
             </a:fld>
             <a:endParaRPr lang="en-US" dirty="0"/>
           </a:p>
@@ -4621,7 +4621,7 @@
             <a:fld id="{9B3A1323-8D79-1946-B0D7-40001CF92E9D}" type="datetimeFigureOut">
               <a:rPr lang="en-US" smtClean="0"/>
               <a:pPr/>
-              <a:t>12/5/17</a:t>
+              <a:t>1/10/18</a:t>
             </a:fld>
             <a:endParaRPr lang="en-US" dirty="0"/>
           </a:p>
@@ -5007,7 +5007,7 @@
             <a:fld id="{8DFA1846-DA80-1C48-A609-854EA85C59AD}" type="datetimeFigureOut">
               <a:rPr lang="en-US" smtClean="0"/>
               <a:pPr/>
-              <a:t>12/5/17</a:t>
+              <a:t>1/10/18</a:t>
             </a:fld>
             <a:endParaRPr lang="en-US" dirty="0"/>
           </a:p>
@@ -5380,7 +5380,7 @@
             <a:fld id="{57302355-E14B-8545-A8F8-0FE83CC9D524}" type="datetimeFigureOut">
               <a:rPr lang="en-US" smtClean="0"/>
               <a:pPr/>
-              <a:t>12/5/17</a:t>
+              <a:t>1/10/18</a:t>
             </a:fld>
             <a:endParaRPr lang="en-US" dirty="0"/>
           </a:p>
@@ -5883,7 +5883,7 @@
             <a:fld id="{02640F58-564D-2B4F-AE67-E407BA4FCF45}" type="datetimeFigureOut">
               <a:rPr lang="en-US" smtClean="0"/>
               <a:pPr/>
-              <a:t>12/5/17</a:t>
+              <a:t>1/10/18</a:t>
             </a:fld>
             <a:endParaRPr lang="en-US" dirty="0"/>
           </a:p>
@@ -6137,7 +6137,7 @@
             <a:fld id="{F13A34C8-038E-2045-AF43-DF7DBB8E0E9E}" type="datetimeFigureOut">
               <a:rPr lang="en-US" smtClean="0"/>
               <a:pPr/>
-              <a:t>12/5/17</a:t>
+              <a:t>1/10/18</a:t>
             </a:fld>
             <a:endParaRPr lang="en-US" dirty="0"/>
           </a:p>
@@ -6297,7 +6297,7 @@
             <a:fld id="{8818C68F-D26B-8F47-958C-23B49CF8A634}" type="datetimeFigureOut">
               <a:rPr lang="en-US" smtClean="0"/>
               <a:pPr/>
-              <a:t>12/5/17</a:t>
+              <a:t>1/10/18</a:t>
             </a:fld>
             <a:endParaRPr lang="en-US" dirty="0"/>
           </a:p>
@@ -6684,7 +6684,7 @@
             <a:fld id="{D0DF5E60-9974-AC48-9591-99C2BB44B7CF}" type="datetimeFigureOut">
               <a:rPr lang="en-US" smtClean="0"/>
               <a:pPr/>
-              <a:t>12/5/17</a:t>
+              <a:t>1/10/18</a:t>
             </a:fld>
             <a:endParaRPr lang="en-US" dirty="0"/>
           </a:p>
@@ -7090,7 +7090,7 @@
             <a:fld id="{18C79C5D-2A6F-F04D-97DA-BEF2467B64E4}" type="datetimeFigureOut">
               <a:rPr lang="en-US" smtClean="0"/>
               <a:pPr/>
-              <a:t>12/5/17</a:t>
+              <a:t>1/10/18</a:t>
             </a:fld>
             <a:endParaRPr lang="en-US" dirty="0"/>
           </a:p>
@@ -7367,7 +7367,7 @@
             <a:fld id="{09B482E8-6E0E-1B4F-B1FD-C69DB9E858D9}" type="datetimeFigureOut">
               <a:rPr lang="en-US" smtClean="0"/>
               <a:pPr/>
-              <a:t>12/5/17</a:t>
+              <a:t>1/10/18</a:t>
             </a:fld>
             <a:endParaRPr lang="en-US" dirty="0"/>
           </a:p>
@@ -16278,8 +16278,29 @@
                 <a:ea typeface="Georgia" charset="0"/>
                 <a:cs typeface="Georgia" charset="0"/>
               </a:rPr>
-              <a:t>How will we answer this?</a:t>
-            </a:r>
+              <a:t>How </a:t>
+            </a:r>
+            <a:r>
+              <a:rPr lang="en-US" dirty="0" smtClean="0">
+                <a:latin typeface="Georgia" charset="0"/>
+                <a:ea typeface="Georgia" charset="0"/>
+                <a:cs typeface="Georgia" charset="0"/>
+              </a:rPr>
+              <a:t>do </a:t>
+            </a:r>
+            <a:r>
+              <a:rPr lang="en-US" smtClean="0">
+                <a:latin typeface="Georgia" charset="0"/>
+                <a:ea typeface="Georgia" charset="0"/>
+                <a:cs typeface="Georgia" charset="0"/>
+              </a:rPr>
+              <a:t>we achieve our goal?</a:t>
+            </a:r>
+            <a:endParaRPr lang="en-US" dirty="0" smtClean="0">
+              <a:latin typeface="Georgia" charset="0"/>
+              <a:ea typeface="Georgia" charset="0"/>
+              <a:cs typeface="Georgia" charset="0"/>
+            </a:endParaRPr>
           </a:p>
           <a:p>
             <a:pPr lvl="1">
@@ -16293,7 +16314,15 @@
                 <a:ea typeface="Georgia" charset="0"/>
                 <a:cs typeface="Georgia" charset="0"/>
               </a:rPr>
-              <a:t>We will acquire data from </a:t>
+              <a:t>Acquire </a:t>
+            </a:r>
+            <a:r>
+              <a:rPr lang="en-US" dirty="0" smtClean="0">
+                <a:latin typeface="Georgia" charset="0"/>
+                <a:ea typeface="Georgia" charset="0"/>
+                <a:cs typeface="Georgia" charset="0"/>
+              </a:rPr>
+              <a:t>data from </a:t>
             </a:r>
             <a:r>
               <a:rPr lang="en-US" i="1" dirty="0" err="1" smtClean="0">
@@ -16338,7 +16367,15 @@
                 <a:ea typeface="Georgia" charset="0"/>
                 <a:cs typeface="Georgia" charset="0"/>
               </a:rPr>
-              <a:t>We will explore the data to find out what qualifies players to be in the HOF</a:t>
+              <a:t>Explore </a:t>
+            </a:r>
+            <a:r>
+              <a:rPr lang="en-US" dirty="0" smtClean="0">
+                <a:latin typeface="Georgia" charset="0"/>
+                <a:ea typeface="Georgia" charset="0"/>
+                <a:cs typeface="Georgia" charset="0"/>
+              </a:rPr>
+              <a:t>the data to find out what qualifies players to be in the HOF</a:t>
             </a:r>
           </a:p>
           <a:p>
@@ -16353,7 +16390,15 @@
                 <a:ea typeface="Georgia" charset="0"/>
                 <a:cs typeface="Georgia" charset="0"/>
               </a:rPr>
-              <a:t>We will create a model that can predict the likelihood that a player will be in the HOF</a:t>
+              <a:t>Create </a:t>
+            </a:r>
+            <a:r>
+              <a:rPr lang="en-US" dirty="0" smtClean="0">
+                <a:latin typeface="Georgia" charset="0"/>
+                <a:ea typeface="Georgia" charset="0"/>
+                <a:cs typeface="Georgia" charset="0"/>
+              </a:rPr>
+              <a:t>a model that can predict the likelihood that a player will be in the HOF</a:t>
             </a:r>
           </a:p>
           <a:p>
@@ -16368,7 +16413,15 @@
                 <a:ea typeface="Georgia" charset="0"/>
                 <a:cs typeface="Georgia" charset="0"/>
               </a:rPr>
-              <a:t>We will run our model on current NFL Players, and players that retired after 2005</a:t>
+              <a:t>Run </a:t>
+            </a:r>
+            <a:r>
+              <a:rPr lang="en-US" dirty="0" smtClean="0">
+                <a:latin typeface="Georgia" charset="0"/>
+                <a:ea typeface="Georgia" charset="0"/>
+                <a:cs typeface="Georgia" charset="0"/>
+              </a:rPr>
+              <a:t>our model on current NFL Players, and players that retired after 2005</a:t>
             </a:r>
           </a:p>
         </p:txBody>
@@ -22258,7 +22311,7 @@
             <a:pPr lvl="1"/>
             <a:r>
               <a:rPr lang="en-US" dirty="0" smtClean="0"/>
-              <a:t>We use the Lasso method to perform </a:t>
+              <a:t>We use the Lasso method (at ⍺ = .01) to perform </a:t>
             </a:r>
             <a:r>
               <a:rPr lang="en-US" dirty="0"/>
@@ -22397,7 +22450,7 @@
             <a:pPr lvl="1"/>
             <a:r>
               <a:rPr lang="en-US" dirty="0" smtClean="0"/>
-              <a:t>Of the 2,132 players, only 47 of them are in the Hall of Fame (2.1%)</a:t>
+              <a:t>Of the 2,153 players, only 47 of them are in the Hall of Fame (2.1%)</a:t>
             </a:r>
           </a:p>
           <a:p>
@@ -22526,67 +22579,98 @@
         <p:spPr>
           <a:xfrm>
             <a:off x="680322" y="2336872"/>
-            <a:ext cx="4834654" cy="3728261"/>
+            <a:ext cx="4834654" cy="3911528"/>
           </a:xfrm>
         </p:spPr>
         <p:txBody>
           <a:bodyPr>
-            <a:normAutofit fontScale="77500" lnSpcReduction="20000"/>
+            <a:noAutofit/>
           </a:bodyPr>
           <a:lstStyle/>
           <a:p>
-            <a:r>
-              <a:rPr lang="en-US" dirty="0" smtClean="0"/>
+            <a:pPr>
+              <a:lnSpc>
+                <a:spcPct val="170000"/>
+              </a:lnSpc>
+            </a:pPr>
+            <a:r>
+              <a:rPr lang="en-US" sz="1600" dirty="0" smtClean="0">
+                <a:latin typeface="Georgia" charset="0"/>
+                <a:ea typeface="Georgia" charset="0"/>
+                <a:cs typeface="Georgia" charset="0"/>
+              </a:rPr>
               <a:t>For quarterbacks, the variable that has the highest correlation with Hall of Fame is </a:t>
             </a:r>
             <a:r>
-              <a:rPr lang="en-US" i="1" dirty="0" smtClean="0"/>
+              <a:rPr lang="en-US" sz="1600" i="1" dirty="0" smtClean="0">
+                <a:latin typeface="Georgia" charset="0"/>
+                <a:ea typeface="Georgia" charset="0"/>
+                <a:cs typeface="Georgia" charset="0"/>
+              </a:rPr>
               <a:t>Playoff Game-Winning Drives.</a:t>
             </a:r>
           </a:p>
           <a:p>
-            <a:endParaRPr lang="en-US" i="1" dirty="0" smtClean="0"/>
-          </a:p>
-          <a:p>
-            <a:r>
-              <a:rPr lang="en-US" dirty="0" smtClean="0"/>
+            <a:pPr>
+              <a:lnSpc>
+                <a:spcPct val="170000"/>
+              </a:lnSpc>
+            </a:pPr>
+            <a:r>
+              <a:rPr lang="en-US" sz="1600" dirty="0" smtClean="0">
+                <a:latin typeface="Georgia" charset="0"/>
+                <a:ea typeface="Georgia" charset="0"/>
+                <a:cs typeface="Georgia" charset="0"/>
+              </a:rPr>
               <a:t>We can look at a histogram of quarterbacks with at least one </a:t>
             </a:r>
             <a:r>
-              <a:rPr lang="en-US" i="1" dirty="0" smtClean="0"/>
+              <a:rPr lang="en-US" sz="1600" i="1" dirty="0" smtClean="0">
+                <a:latin typeface="Georgia" charset="0"/>
+                <a:ea typeface="Georgia" charset="0"/>
+                <a:cs typeface="Georgia" charset="0"/>
+              </a:rPr>
               <a:t>Playoff Game-Winning Drive</a:t>
             </a:r>
-            <a:endParaRPr lang="en-US" dirty="0" smtClean="0"/>
-          </a:p>
-          <a:p>
-            <a:endParaRPr lang="en-US" i="1" dirty="0"/>
-          </a:p>
-          <a:p>
-            <a:r>
-              <a:rPr lang="en-US" dirty="0" smtClean="0"/>
-              <a:t>All HOF quarterbacks have at least one </a:t>
-            </a:r>
-            <a:r>
-              <a:rPr lang="en-US" dirty="0" smtClean="0"/>
-              <a:t>PGWD.</a:t>
-            </a:r>
-          </a:p>
-          <a:p>
-            <a:endParaRPr lang="en-US" dirty="0" smtClean="0"/>
-          </a:p>
-          <a:p>
-            <a:r>
-              <a:rPr lang="en-US" dirty="0" smtClean="0">
-                <a:latin typeface="Apple Braille" charset="0"/>
-                <a:ea typeface="Apple Braille" charset="0"/>
-                <a:cs typeface="Apple Braille" charset="0"/>
+            <a:endParaRPr lang="en-US" sz="1600" i="1" dirty="0">
+              <a:latin typeface="Georgia" charset="0"/>
+              <a:ea typeface="Georgia" charset="0"/>
+              <a:cs typeface="Georgia" charset="0"/>
+            </a:endParaRPr>
+          </a:p>
+          <a:p>
+            <a:pPr>
+              <a:lnSpc>
+                <a:spcPct val="170000"/>
+              </a:lnSpc>
+            </a:pPr>
+            <a:r>
+              <a:rPr lang="en-US" sz="1600" dirty="0" smtClean="0">
+                <a:latin typeface="Georgia" charset="0"/>
+                <a:ea typeface="Georgia" charset="0"/>
+                <a:cs typeface="Georgia" charset="0"/>
+              </a:rPr>
+              <a:t>All HOF quarterbacks have at least one PGWD.</a:t>
+            </a:r>
+          </a:p>
+          <a:p>
+            <a:pPr>
+              <a:lnSpc>
+                <a:spcPct val="170000"/>
+              </a:lnSpc>
+            </a:pPr>
+            <a:r>
+              <a:rPr lang="en-US" sz="1600" dirty="0" smtClean="0">
+                <a:latin typeface="Georgia" charset="0"/>
+                <a:ea typeface="Georgia" charset="0"/>
+                <a:cs typeface="Georgia" charset="0"/>
               </a:rPr>
               <a:t>All quarterbacks with more than 2 PGWDs are in the HOF.</a:t>
             </a:r>
-            <a:endParaRPr lang="en-US" dirty="0">
-              <a:latin typeface="Apple Braille" charset="0"/>
-              <a:ea typeface="Apple Braille" charset="0"/>
-              <a:cs typeface="Apple Braille" charset="0"/>
+            <a:endParaRPr lang="en-US" sz="1600" dirty="0">
+              <a:latin typeface="Georgia" charset="0"/>
+              <a:ea typeface="Georgia" charset="0"/>
+              <a:cs typeface="Georgia" charset="0"/>
             </a:endParaRPr>
           </a:p>
         </p:txBody>
